--- a/ITERACION 5/SUB ITERACION 1/PPT TP3 PRES01.pptx
+++ b/ITERACION 5/SUB ITERACION 1/PPT TP3 PRES01.pptx
@@ -5,7 +5,7 @@
     <p:sldMasterId id="2147483660" r:id="rId1"/>
   </p:sldMasterIdLst>
   <p:notesMasterIdLst>
-    <p:notesMasterId r:id="rId9"/>
+    <p:notesMasterId r:id="rId11"/>
   </p:notesMasterIdLst>
   <p:sldIdLst>
     <p:sldId id="256" r:id="rId2"/>
@@ -13,8 +13,10 @@
     <p:sldId id="400" r:id="rId4"/>
     <p:sldId id="401" r:id="rId5"/>
     <p:sldId id="402" r:id="rId6"/>
-    <p:sldId id="403" r:id="rId7"/>
-    <p:sldId id="379" r:id="rId8"/>
+    <p:sldId id="404" r:id="rId7"/>
+    <p:sldId id="405" r:id="rId8"/>
+    <p:sldId id="403" r:id="rId9"/>
+    <p:sldId id="379" r:id="rId10"/>
   </p:sldIdLst>
   <p:sldSz cx="9144000" cy="6858000" type="screen4x3"/>
   <p:notesSz cx="6858000" cy="9144000"/>
@@ -449,7 +451,7 @@
     </p:spTree>
     <p:extLst>
       <p:ext uri="{BB962C8B-B14F-4D97-AF65-F5344CB8AC3E}">
-        <p14:creationId xmlns="" xmlns:p14="http://schemas.microsoft.com/office/powerpoint/2010/main" val="3585868644"/>
+        <p14:creationId xmlns:p14="http://schemas.microsoft.com/office/powerpoint/2010/main" xmlns="" val="3585868644"/>
       </p:ext>
     </p:extLst>
   </p:cSld>
@@ -16047,11 +16049,6 @@
               </a:rPr>
               <a:t>CAMBIOS</a:t>
             </a:r>
-            <a:endParaRPr lang="es-PE" b="1" dirty="0" smtClean="0">
-              <a:solidFill>
-                <a:schemeClr val="tx2"/>
-              </a:solidFill>
-            </a:endParaRPr>
           </a:p>
         </p:txBody>
       </p:sp>
@@ -16184,15 +16181,7 @@
                   <a:schemeClr val="tx2"/>
                 </a:solidFill>
               </a:rPr>
-              <a:t>Se elimino los campos MONTO_MONEDA_NACIONAL, TIPO_CAMBIO Y MONTO_MONEDA_EXTRANJERA y se agrego el campo MONTO</a:t>
-            </a:r>
-            <a:r>
-              <a:rPr lang="es-PE" dirty="0" smtClean="0">
-                <a:solidFill>
-                  <a:schemeClr val="tx2"/>
-                </a:solidFill>
-              </a:rPr>
-              <a:t>.</a:t>
+              <a:t>Se elimino los campos MONTO_MONEDA_NACIONAL, TIPO_CAMBIO Y MONTO_MONEDA_EXTRANJERA y se agrego el campo MONTO.</a:t>
             </a:r>
             <a:endParaRPr lang="es-PE" dirty="0"/>
           </a:p>
@@ -16245,7 +16234,7 @@
     </p:spTree>
     <p:extLst>
       <p:ext uri="{BB962C8B-B14F-4D97-AF65-F5344CB8AC3E}">
-        <p14:creationId xmlns="" xmlns:p14="http://schemas.microsoft.com/office/powerpoint/2010/main" val="3446328164"/>
+        <p14:creationId xmlns:p14="http://schemas.microsoft.com/office/powerpoint/2010/main" xmlns="" val="3446328164"/>
       </p:ext>
     </p:extLst>
   </p:cSld>
@@ -16353,15 +16342,7 @@
                   <a:schemeClr val="tx2"/>
                 </a:solidFill>
               </a:rPr>
-              <a:t>Se elimino </a:t>
-            </a:r>
-            <a:r>
-              <a:rPr lang="es-PE" dirty="0" smtClean="0">
-                <a:solidFill>
-                  <a:schemeClr val="tx2"/>
-                </a:solidFill>
-              </a:rPr>
-              <a:t>el campo CARGO</a:t>
+              <a:t>Se elimino el campo CARGO</a:t>
             </a:r>
             <a:endParaRPr lang="es-PE" dirty="0"/>
           </a:p>
@@ -16391,7 +16372,7 @@
           </a:ln>
           <a:extLst>
             <a:ext uri="{53640926-AAD7-44D8-BBD7-CCE9431645EC}">
-              <a14:shadowObscured xmlns="" xmlns:wpc="http://schemas.microsoft.com/office/word/2010/wordprocessingCanvas" xmlns:mc="http://schemas.openxmlformats.org/markup-compatibility/2006" xmlns:o="urn:schemas-microsoft-com:office:office" xmlns:m="http://schemas.openxmlformats.org/officeDocument/2006/math" xmlns:v="urn:schemas-microsoft-com:vml" xmlns:wp14="http://schemas.microsoft.com/office/word/2010/wordprocessingDrawing" xmlns:wp="http://schemas.openxmlformats.org/drawingml/2006/wordprocessingDrawing" xmlns:w10="urn:schemas-microsoft-com:office:word" xmlns:w="http://schemas.openxmlformats.org/wordprocessingml/2006/main" xmlns:w14="http://schemas.microsoft.com/office/word/2010/wordml" xmlns:wpg="http://schemas.microsoft.com/office/word/2010/wordprocessingGroup" xmlns:wpi="http://schemas.microsoft.com/office/word/2010/wordprocessingInk" xmlns:wne="http://schemas.microsoft.com/office/word/2006/wordml" xmlns:wps="http://schemas.microsoft.com/office/word/2010/wordprocessingShape" xmlns:a14="http://schemas.microsoft.com/office/drawing/2010/main" xmlns:pic="http://schemas.openxmlformats.org/drawingml/2006/picture" xmlns:lc="http://schemas.openxmlformats.org/drawingml/2006/lockedCanvas"/>
+              <a14:shadowObscured xmlns:lc="http://schemas.openxmlformats.org/drawingml/2006/lockedCanvas" xmlns:pic="http://schemas.openxmlformats.org/drawingml/2006/picture" xmlns:a14="http://schemas.microsoft.com/office/drawing/2010/main" xmlns:wps="http://schemas.microsoft.com/office/word/2010/wordprocessingShape" xmlns:wne="http://schemas.microsoft.com/office/word/2006/wordml" xmlns:wpi="http://schemas.microsoft.com/office/word/2010/wordprocessingInk" xmlns:wpg="http://schemas.microsoft.com/office/word/2010/wordprocessingGroup" xmlns:w14="http://schemas.microsoft.com/office/word/2010/wordml" xmlns:w="http://schemas.openxmlformats.org/wordprocessingml/2006/main" xmlns:w10="urn:schemas-microsoft-com:office:word" xmlns:wp="http://schemas.openxmlformats.org/drawingml/2006/wordprocessingDrawing" xmlns:wp14="http://schemas.microsoft.com/office/word/2010/wordprocessingDrawing" xmlns:v="urn:schemas-microsoft-com:vml" xmlns:m="http://schemas.openxmlformats.org/officeDocument/2006/math" xmlns:o="urn:schemas-microsoft-com:office:office" xmlns:mc="http://schemas.openxmlformats.org/markup-compatibility/2006" xmlns:wpc="http://schemas.microsoft.com/office/word/2010/wordprocessingCanvas" xmlns=""/>
             </a:ext>
           </a:extLst>
         </p:spPr>
@@ -16420,7 +16401,7 @@
           </a:ln>
           <a:extLst>
             <a:ext uri="{53640926-AAD7-44D8-BBD7-CCE9431645EC}">
-              <a14:shadowObscured xmlns="" xmlns:wpc="http://schemas.microsoft.com/office/word/2010/wordprocessingCanvas" xmlns:mc="http://schemas.openxmlformats.org/markup-compatibility/2006" xmlns:o="urn:schemas-microsoft-com:office:office" xmlns:m="http://schemas.openxmlformats.org/officeDocument/2006/math" xmlns:v="urn:schemas-microsoft-com:vml" xmlns:wp14="http://schemas.microsoft.com/office/word/2010/wordprocessingDrawing" xmlns:wp="http://schemas.openxmlformats.org/drawingml/2006/wordprocessingDrawing" xmlns:w10="urn:schemas-microsoft-com:office:word" xmlns:w="http://schemas.openxmlformats.org/wordprocessingml/2006/main" xmlns:w14="http://schemas.microsoft.com/office/word/2010/wordml" xmlns:wpg="http://schemas.microsoft.com/office/word/2010/wordprocessingGroup" xmlns:wpi="http://schemas.microsoft.com/office/word/2010/wordprocessingInk" xmlns:wne="http://schemas.microsoft.com/office/word/2006/wordml" xmlns:wps="http://schemas.microsoft.com/office/word/2010/wordprocessingShape" xmlns:a14="http://schemas.microsoft.com/office/drawing/2010/main" xmlns:pic="http://schemas.openxmlformats.org/drawingml/2006/picture" xmlns:lc="http://schemas.openxmlformats.org/drawingml/2006/lockedCanvas"/>
+              <a14:shadowObscured xmlns:lc="http://schemas.openxmlformats.org/drawingml/2006/lockedCanvas" xmlns:pic="http://schemas.openxmlformats.org/drawingml/2006/picture" xmlns:a14="http://schemas.microsoft.com/office/drawing/2010/main" xmlns:wps="http://schemas.microsoft.com/office/word/2010/wordprocessingShape" xmlns:wne="http://schemas.microsoft.com/office/word/2006/wordml" xmlns:wpi="http://schemas.microsoft.com/office/word/2010/wordprocessingInk" xmlns:wpg="http://schemas.microsoft.com/office/word/2010/wordprocessingGroup" xmlns:w14="http://schemas.microsoft.com/office/word/2010/wordml" xmlns:w="http://schemas.openxmlformats.org/wordprocessingml/2006/main" xmlns:w10="urn:schemas-microsoft-com:office:word" xmlns:wp="http://schemas.openxmlformats.org/drawingml/2006/wordprocessingDrawing" xmlns:wp14="http://schemas.microsoft.com/office/word/2010/wordprocessingDrawing" xmlns:v="urn:schemas-microsoft-com:vml" xmlns:m="http://schemas.openxmlformats.org/officeDocument/2006/math" xmlns:o="urn:schemas-microsoft-com:office:office" xmlns:mc="http://schemas.openxmlformats.org/markup-compatibility/2006" xmlns:wpc="http://schemas.microsoft.com/office/word/2010/wordprocessingCanvas" xmlns=""/>
             </a:ext>
           </a:extLst>
         </p:spPr>
@@ -16542,7 +16523,7 @@
     </p:spTree>
     <p:extLst>
       <p:ext uri="{BB962C8B-B14F-4D97-AF65-F5344CB8AC3E}">
-        <p14:creationId xmlns="" xmlns:p14="http://schemas.microsoft.com/office/powerpoint/2010/main" val="3446328164"/>
+        <p14:creationId xmlns:p14="http://schemas.microsoft.com/office/powerpoint/2010/main" xmlns="" val="3446328164"/>
       </p:ext>
     </p:extLst>
   </p:cSld>
@@ -16650,15 +16631,7 @@
                   <a:schemeClr val="tx2"/>
                 </a:solidFill>
               </a:rPr>
-              <a:t>Se </a:t>
-            </a:r>
-            <a:r>
-              <a:rPr lang="es-PE" dirty="0" smtClean="0">
-                <a:solidFill>
-                  <a:schemeClr val="tx2"/>
-                </a:solidFill>
-              </a:rPr>
-              <a:t>modificó la relación entre las Tablas INCUMPLIMIENTO y INCUMPLIMIENTO_CONTRATO_CLAUSULA</a:t>
+              <a:t>Se modificó la relación entre las Tablas INCUMPLIMIENTO y INCUMPLIMIENTO_CONTRATO_CLAUSULA</a:t>
             </a:r>
             <a:endParaRPr lang="es-PE" dirty="0"/>
           </a:p>
@@ -16688,7 +16661,7 @@
           </a:ln>
           <a:extLst>
             <a:ext uri="{53640926-AAD7-44D8-BBD7-CCE9431645EC}">
-              <a14:shadowObscured xmlns="" xmlns:wpc="http://schemas.microsoft.com/office/word/2010/wordprocessingCanvas" xmlns:mc="http://schemas.openxmlformats.org/markup-compatibility/2006" xmlns:o="urn:schemas-microsoft-com:office:office" xmlns:m="http://schemas.openxmlformats.org/officeDocument/2006/math" xmlns:v="urn:schemas-microsoft-com:vml" xmlns:wp14="http://schemas.microsoft.com/office/word/2010/wordprocessingDrawing" xmlns:wp="http://schemas.openxmlformats.org/drawingml/2006/wordprocessingDrawing" xmlns:w10="urn:schemas-microsoft-com:office:word" xmlns:w="http://schemas.openxmlformats.org/wordprocessingml/2006/main" xmlns:w14="http://schemas.microsoft.com/office/word/2010/wordml" xmlns:wpg="http://schemas.microsoft.com/office/word/2010/wordprocessingGroup" xmlns:wpi="http://schemas.microsoft.com/office/word/2010/wordprocessingInk" xmlns:wne="http://schemas.microsoft.com/office/word/2006/wordml" xmlns:wps="http://schemas.microsoft.com/office/word/2010/wordprocessingShape" xmlns:a14="http://schemas.microsoft.com/office/drawing/2010/main" xmlns:pic="http://schemas.openxmlformats.org/drawingml/2006/picture" xmlns:lc="http://schemas.openxmlformats.org/drawingml/2006/lockedCanvas"/>
+              <a14:shadowObscured xmlns:lc="http://schemas.openxmlformats.org/drawingml/2006/lockedCanvas" xmlns:pic="http://schemas.openxmlformats.org/drawingml/2006/picture" xmlns:a14="http://schemas.microsoft.com/office/drawing/2010/main" xmlns:wps="http://schemas.microsoft.com/office/word/2010/wordprocessingShape" xmlns:wne="http://schemas.microsoft.com/office/word/2006/wordml" xmlns:wpi="http://schemas.microsoft.com/office/word/2010/wordprocessingInk" xmlns:wpg="http://schemas.microsoft.com/office/word/2010/wordprocessingGroup" xmlns:w14="http://schemas.microsoft.com/office/word/2010/wordml" xmlns:w="http://schemas.openxmlformats.org/wordprocessingml/2006/main" xmlns:w10="urn:schemas-microsoft-com:office:word" xmlns:wp="http://schemas.openxmlformats.org/drawingml/2006/wordprocessingDrawing" xmlns:wp14="http://schemas.microsoft.com/office/word/2010/wordprocessingDrawing" xmlns:v="urn:schemas-microsoft-com:vml" xmlns:m="http://schemas.openxmlformats.org/officeDocument/2006/math" xmlns:o="urn:schemas-microsoft-com:office:office" xmlns:mc="http://schemas.openxmlformats.org/markup-compatibility/2006" xmlns:wpc="http://schemas.microsoft.com/office/word/2010/wordprocessingCanvas" xmlns=""/>
             </a:ext>
           </a:extLst>
         </p:spPr>
@@ -16742,7 +16715,7 @@
     </p:spTree>
     <p:extLst>
       <p:ext uri="{BB962C8B-B14F-4D97-AF65-F5344CB8AC3E}">
-        <p14:creationId xmlns="" xmlns:p14="http://schemas.microsoft.com/office/powerpoint/2010/main" val="3446328164"/>
+        <p14:creationId xmlns:p14="http://schemas.microsoft.com/office/powerpoint/2010/main" xmlns="" val="3446328164"/>
       </p:ext>
     </p:extLst>
   </p:cSld>
@@ -16776,6 +16749,382 @@
           <a:chExt cx="0" cy="0"/>
         </a:xfrm>
       </p:grpSpPr>
+      <p:sp>
+        <p:nvSpPr>
+          <p:cNvPr id="16385" name="2 Título"/>
+          <p:cNvSpPr>
+            <a:spLocks noGrp="1"/>
+          </p:cNvSpPr>
+          <p:nvPr>
+            <p:ph type="title" idx="4294967295"/>
+          </p:nvPr>
+        </p:nvSpPr>
+        <p:spPr>
+          <a:xfrm>
+            <a:off x="467544" y="476672"/>
+            <a:ext cx="8229600" cy="1252537"/>
+          </a:xfrm>
+        </p:spPr>
+        <p:txBody>
+          <a:bodyPr/>
+          <a:lstStyle/>
+          <a:p>
+            <a:pPr eaLnBrk="1" hangingPunct="1"/>
+            <a:r>
+              <a:rPr lang="en-US" b="1" dirty="0" err="1" smtClean="0">
+                <a:solidFill>
+                  <a:schemeClr val="tx2"/>
+                </a:solidFill>
+              </a:rPr>
+              <a:t>Cambio</a:t>
+            </a:r>
+            <a:r>
+              <a:rPr lang="en-US" b="1" dirty="0" smtClean="0">
+                <a:solidFill>
+                  <a:schemeClr val="tx2"/>
+                </a:solidFill>
+              </a:rPr>
+              <a:t> N° </a:t>
+            </a:r>
+            <a:r>
+              <a:rPr lang="en-US" b="1" dirty="0" smtClean="0">
+                <a:solidFill>
+                  <a:schemeClr val="tx2"/>
+                </a:solidFill>
+              </a:rPr>
+              <a:t>04</a:t>
+            </a:r>
+            <a:endParaRPr lang="es-PE" b="1" dirty="0" smtClean="0">
+              <a:solidFill>
+                <a:schemeClr val="tx2"/>
+              </a:solidFill>
+            </a:endParaRPr>
+          </a:p>
+        </p:txBody>
+      </p:sp>
+      <p:sp>
+        <p:nvSpPr>
+          <p:cNvPr id="4" name="3 CuadroTexto"/>
+          <p:cNvSpPr txBox="1"/>
+          <p:nvPr/>
+        </p:nvSpPr>
+        <p:spPr>
+          <a:xfrm>
+            <a:off x="1115616" y="5589240"/>
+            <a:ext cx="6984776" cy="369332"/>
+          </a:xfrm>
+          <a:prstGeom prst="rect">
+            <a:avLst/>
+          </a:prstGeom>
+          <a:noFill/>
+        </p:spPr>
+        <p:txBody>
+          <a:bodyPr wrap="square" rtlCol="0">
+            <a:spAutoFit/>
+          </a:bodyPr>
+          <a:lstStyle/>
+          <a:p>
+            <a:pPr algn="just"/>
+            <a:r>
+              <a:rPr lang="es-PE" dirty="0" smtClean="0">
+                <a:solidFill>
+                  <a:schemeClr val="tx2"/>
+                </a:solidFill>
+              </a:rPr>
+              <a:t>Se </a:t>
+            </a:r>
+            <a:r>
+              <a:rPr lang="es-PE" dirty="0" smtClean="0">
+                <a:solidFill>
+                  <a:schemeClr val="tx2"/>
+                </a:solidFill>
+              </a:rPr>
+              <a:t>eliminó la Tabla CONTRATO_PENALIDAD</a:t>
+            </a:r>
+            <a:endParaRPr lang="es-PE" dirty="0"/>
+          </a:p>
+        </p:txBody>
+      </p:sp>
+      <p:pic>
+        <p:nvPicPr>
+          <p:cNvPr id="6" name="5 Imagen"/>
+          <p:cNvPicPr/>
+          <p:nvPr/>
+        </p:nvPicPr>
+        <p:blipFill rotWithShape="1">
+          <a:blip r:embed="rId2" cstate="print"/>
+          <a:srcRect l="31000" t="63147" r="39460" b="10775"/>
+          <a:stretch/>
+        </p:blipFill>
+        <p:spPr bwMode="auto">
+          <a:xfrm>
+            <a:off x="1475656" y="2636912"/>
+            <a:ext cx="5184576" cy="2376264"/>
+          </a:xfrm>
+          <a:prstGeom prst="rect">
+            <a:avLst/>
+          </a:prstGeom>
+          <a:ln>
+            <a:noFill/>
+          </a:ln>
+          <a:extLst>
+            <a:ext uri="{53640926-AAD7-44D8-BBD7-CCE9431645EC}">
+              <a14:shadowObscured xmlns="" xmlns:wpc="http://schemas.microsoft.com/office/word/2010/wordprocessingCanvas" xmlns:mc="http://schemas.openxmlformats.org/markup-compatibility/2006" xmlns:o="urn:schemas-microsoft-com:office:office" xmlns:m="http://schemas.openxmlformats.org/officeDocument/2006/math" xmlns:v="urn:schemas-microsoft-com:vml" xmlns:wp14="http://schemas.microsoft.com/office/word/2010/wordprocessingDrawing" xmlns:wp="http://schemas.openxmlformats.org/drawingml/2006/wordprocessingDrawing" xmlns:w10="urn:schemas-microsoft-com:office:word" xmlns:w="http://schemas.openxmlformats.org/wordprocessingml/2006/main" xmlns:w14="http://schemas.microsoft.com/office/word/2010/wordml" xmlns:wpg="http://schemas.microsoft.com/office/word/2010/wordprocessingGroup" xmlns:wpi="http://schemas.microsoft.com/office/word/2010/wordprocessingInk" xmlns:wne="http://schemas.microsoft.com/office/word/2006/wordml" xmlns:wps="http://schemas.microsoft.com/office/word/2010/wordprocessingShape" xmlns:a14="http://schemas.microsoft.com/office/drawing/2010/main" xmlns:pic="http://schemas.openxmlformats.org/drawingml/2006/picture" xmlns:lc="http://schemas.openxmlformats.org/drawingml/2006/lockedCanvas"/>
+            </a:ext>
+          </a:extLst>
+        </p:spPr>
+      </p:pic>
+    </p:spTree>
+    <p:extLst>
+      <p:ext uri="{BB962C8B-B14F-4D97-AF65-F5344CB8AC3E}">
+        <p14:creationId xmlns:p14="http://schemas.microsoft.com/office/powerpoint/2010/main" xmlns="" val="3446328164"/>
+      </p:ext>
+    </p:extLst>
+  </p:cSld>
+  <p:clrMapOvr>
+    <a:masterClrMapping/>
+  </p:clrMapOvr>
+  <p:timing>
+    <p:tnLst>
+      <p:par>
+        <p:cTn id="1" dur="indefinite" restart="never" nodeType="tmRoot"/>
+      </p:par>
+    </p:tnLst>
+  </p:timing>
+</p:sld>
+</file>
+
+<file path=ppt/slides/slide7.xml><?xml version="1.0" encoding="utf-8"?>
+<p:sld xmlns:a="http://schemas.openxmlformats.org/drawingml/2006/main" xmlns:r="http://schemas.openxmlformats.org/officeDocument/2006/relationships" xmlns:p="http://schemas.openxmlformats.org/presentationml/2006/main">
+  <p:cSld>
+    <p:spTree>
+      <p:nvGrpSpPr>
+        <p:cNvPr id="1" name=""/>
+        <p:cNvGrpSpPr/>
+        <p:nvPr/>
+      </p:nvGrpSpPr>
+      <p:grpSpPr>
+        <a:xfrm>
+          <a:off x="0" y="0"/>
+          <a:ext cx="0" cy="0"/>
+          <a:chOff x="0" y="0"/>
+          <a:chExt cx="0" cy="0"/>
+        </a:xfrm>
+      </p:grpSpPr>
+      <p:sp>
+        <p:nvSpPr>
+          <p:cNvPr id="16385" name="2 Título"/>
+          <p:cNvSpPr>
+            <a:spLocks noGrp="1"/>
+          </p:cNvSpPr>
+          <p:nvPr>
+            <p:ph type="title" idx="4294967295"/>
+          </p:nvPr>
+        </p:nvSpPr>
+        <p:spPr>
+          <a:xfrm>
+            <a:off x="467544" y="476672"/>
+            <a:ext cx="8229600" cy="1252537"/>
+          </a:xfrm>
+        </p:spPr>
+        <p:txBody>
+          <a:bodyPr/>
+          <a:lstStyle/>
+          <a:p>
+            <a:pPr eaLnBrk="1" hangingPunct="1"/>
+            <a:r>
+              <a:rPr lang="en-US" b="1" dirty="0" err="1" smtClean="0">
+                <a:solidFill>
+                  <a:schemeClr val="tx2"/>
+                </a:solidFill>
+              </a:rPr>
+              <a:t>Cambio</a:t>
+            </a:r>
+            <a:r>
+              <a:rPr lang="en-US" b="1" dirty="0" smtClean="0">
+                <a:solidFill>
+                  <a:schemeClr val="tx2"/>
+                </a:solidFill>
+              </a:rPr>
+              <a:t> N° </a:t>
+            </a:r>
+            <a:r>
+              <a:rPr lang="en-US" b="1" dirty="0" smtClean="0">
+                <a:solidFill>
+                  <a:schemeClr val="tx2"/>
+                </a:solidFill>
+              </a:rPr>
+              <a:t>05</a:t>
+            </a:r>
+            <a:endParaRPr lang="es-PE" b="1" dirty="0" smtClean="0">
+              <a:solidFill>
+                <a:schemeClr val="tx2"/>
+              </a:solidFill>
+            </a:endParaRPr>
+          </a:p>
+        </p:txBody>
+      </p:sp>
+      <p:sp>
+        <p:nvSpPr>
+          <p:cNvPr id="4" name="3 CuadroTexto"/>
+          <p:cNvSpPr txBox="1"/>
+          <p:nvPr/>
+        </p:nvSpPr>
+        <p:spPr>
+          <a:xfrm>
+            <a:off x="1115616" y="5589240"/>
+            <a:ext cx="6984776" cy="369332"/>
+          </a:xfrm>
+          <a:prstGeom prst="rect">
+            <a:avLst/>
+          </a:prstGeom>
+          <a:noFill/>
+        </p:spPr>
+        <p:txBody>
+          <a:bodyPr wrap="square" rtlCol="0">
+            <a:spAutoFit/>
+          </a:bodyPr>
+          <a:lstStyle/>
+          <a:p>
+            <a:pPr algn="just"/>
+            <a:r>
+              <a:rPr lang="es-PE" dirty="0" smtClean="0">
+                <a:solidFill>
+                  <a:schemeClr val="tx2"/>
+                </a:solidFill>
+              </a:rPr>
+              <a:t>Se </a:t>
+            </a:r>
+            <a:r>
+              <a:rPr lang="es-PE" dirty="0" smtClean="0">
+                <a:solidFill>
+                  <a:schemeClr val="tx2"/>
+                </a:solidFill>
+              </a:rPr>
+              <a:t>agregó el campo Porcentaje en </a:t>
+            </a:r>
+            <a:r>
+              <a:rPr lang="es-PE" dirty="0" smtClean="0">
+                <a:solidFill>
+                  <a:schemeClr val="tx2"/>
+                </a:solidFill>
+              </a:rPr>
+              <a:t>la Tabla PENALIDAD</a:t>
+            </a:r>
+            <a:endParaRPr lang="es-PE" dirty="0"/>
+          </a:p>
+        </p:txBody>
+      </p:sp>
+      <p:pic>
+        <p:nvPicPr>
+          <p:cNvPr id="5" name="4 Imagen"/>
+          <p:cNvPicPr/>
+          <p:nvPr/>
+        </p:nvPicPr>
+        <p:blipFill rotWithShape="1">
+          <a:blip r:embed="rId2" cstate="print"/>
+          <a:srcRect l="8844" t="60738" r="67716" b="10775"/>
+          <a:stretch/>
+        </p:blipFill>
+        <p:spPr bwMode="auto">
+          <a:xfrm>
+            <a:off x="1259632" y="2492896"/>
+            <a:ext cx="3744416" cy="2592288"/>
+          </a:xfrm>
+          <a:prstGeom prst="rect">
+            <a:avLst/>
+          </a:prstGeom>
+          <a:ln>
+            <a:noFill/>
+          </a:ln>
+          <a:extLst>
+            <a:ext uri="{53640926-AAD7-44D8-BBD7-CCE9431645EC}">
+              <a14:shadowObscured xmlns="" xmlns:wpc="http://schemas.microsoft.com/office/word/2010/wordprocessingCanvas" xmlns:mc="http://schemas.openxmlformats.org/markup-compatibility/2006" xmlns:o="urn:schemas-microsoft-com:office:office" xmlns:m="http://schemas.openxmlformats.org/officeDocument/2006/math" xmlns:v="urn:schemas-microsoft-com:vml" xmlns:wp14="http://schemas.microsoft.com/office/word/2010/wordprocessingDrawing" xmlns:wp="http://schemas.openxmlformats.org/drawingml/2006/wordprocessingDrawing" xmlns:w10="urn:schemas-microsoft-com:office:word" xmlns:w="http://schemas.openxmlformats.org/wordprocessingml/2006/main" xmlns:w14="http://schemas.microsoft.com/office/word/2010/wordml" xmlns:wpg="http://schemas.microsoft.com/office/word/2010/wordprocessingGroup" xmlns:wpi="http://schemas.microsoft.com/office/word/2010/wordprocessingInk" xmlns:wne="http://schemas.microsoft.com/office/word/2006/wordml" xmlns:wps="http://schemas.microsoft.com/office/word/2010/wordprocessingShape" xmlns:a14="http://schemas.microsoft.com/office/drawing/2010/main" xmlns:pic="http://schemas.openxmlformats.org/drawingml/2006/picture" xmlns:lc="http://schemas.openxmlformats.org/drawingml/2006/lockedCanvas"/>
+            </a:ext>
+          </a:extLst>
+        </p:spPr>
+      </p:pic>
+      <p:sp>
+        <p:nvSpPr>
+          <p:cNvPr id="7" name="6 Rectángulo"/>
+          <p:cNvSpPr/>
+          <p:nvPr/>
+        </p:nvSpPr>
+        <p:spPr>
+          <a:xfrm>
+            <a:off x="1403648" y="3573016"/>
+            <a:ext cx="2088232" cy="216024"/>
+          </a:xfrm>
+          <a:prstGeom prst="rect">
+            <a:avLst/>
+          </a:prstGeom>
+          <a:noFill/>
+          <a:ln>
+            <a:solidFill>
+              <a:srgbClr val="FF0000"/>
+            </a:solidFill>
+          </a:ln>
+        </p:spPr>
+        <p:style>
+          <a:lnRef idx="2">
+            <a:schemeClr val="accent6"/>
+          </a:lnRef>
+          <a:fillRef idx="1">
+            <a:schemeClr val="lt1"/>
+          </a:fillRef>
+          <a:effectRef idx="0">
+            <a:schemeClr val="accent6"/>
+          </a:effectRef>
+          <a:fontRef idx="minor">
+            <a:schemeClr val="dk1"/>
+          </a:fontRef>
+        </p:style>
+        <p:txBody>
+          <a:bodyPr rtlCol="0" anchor="ctr"/>
+          <a:lstStyle/>
+          <a:p>
+            <a:pPr algn="ctr"/>
+            <a:endParaRPr lang="es-PE"/>
+          </a:p>
+        </p:txBody>
+      </p:sp>
+    </p:spTree>
+    <p:extLst>
+      <p:ext uri="{BB962C8B-B14F-4D97-AF65-F5344CB8AC3E}">
+        <p14:creationId xmlns:p14="http://schemas.microsoft.com/office/powerpoint/2010/main" xmlns="" val="3446328164"/>
+      </p:ext>
+    </p:extLst>
+  </p:cSld>
+  <p:clrMapOvr>
+    <a:masterClrMapping/>
+  </p:clrMapOvr>
+  <p:timing>
+    <p:tnLst>
+      <p:par>
+        <p:cTn id="1" dur="indefinite" restart="never" nodeType="tmRoot"/>
+      </p:par>
+    </p:tnLst>
+  </p:timing>
+</p:sld>
+</file>
+
+<file path=ppt/slides/slide8.xml><?xml version="1.0" encoding="utf-8"?>
+<p:sld xmlns:a="http://schemas.openxmlformats.org/drawingml/2006/main" xmlns:r="http://schemas.openxmlformats.org/officeDocument/2006/relationships" xmlns:p="http://schemas.openxmlformats.org/presentationml/2006/main">
+  <p:cSld>
+    <p:spTree>
+      <p:nvGrpSpPr>
+        <p:cNvPr id="1" name=""/>
+        <p:cNvGrpSpPr/>
+        <p:nvPr/>
+      </p:nvGrpSpPr>
+      <p:grpSpPr>
+        <a:xfrm>
+          <a:off x="0" y="0"/>
+          <a:ext cx="0" cy="0"/>
+          <a:chOff x="0" y="0"/>
+          <a:chExt cx="0" cy="0"/>
+        </a:xfrm>
+      </p:grpSpPr>
       <p:pic>
         <p:nvPicPr>
           <p:cNvPr id="6" name="5 Imagen"/>
@@ -16786,7 +17135,7 @@
           <a:blip r:embed="rId2" cstate="print">
             <a:extLst>
               <a:ext uri="{28A0092B-C50C-407E-A947-70E740481C1C}">
-                <a14:useLocalDpi xmlns="" xmlns:wpc="http://schemas.microsoft.com/office/word/2010/wordprocessingCanvas" xmlns:mc="http://schemas.openxmlformats.org/markup-compatibility/2006" xmlns:o="urn:schemas-microsoft-com:office:office" xmlns:m="http://schemas.openxmlformats.org/officeDocument/2006/math" xmlns:v="urn:schemas-microsoft-com:vml" xmlns:wp14="http://schemas.microsoft.com/office/word/2010/wordprocessingDrawing" xmlns:wp="http://schemas.openxmlformats.org/drawingml/2006/wordprocessingDrawing" xmlns:w10="urn:schemas-microsoft-com:office:word" xmlns:w="http://schemas.openxmlformats.org/wordprocessingml/2006/main" xmlns:w14="http://schemas.microsoft.com/office/word/2010/wordml" xmlns:wpg="http://schemas.microsoft.com/office/word/2010/wordprocessingGroup" xmlns:wpi="http://schemas.microsoft.com/office/word/2010/wordprocessingInk" xmlns:wne="http://schemas.microsoft.com/office/word/2006/wordml" xmlns:wps="http://schemas.microsoft.com/office/word/2010/wordprocessingShape" xmlns:a14="http://schemas.microsoft.com/office/drawing/2010/main" xmlns:pic="http://schemas.openxmlformats.org/drawingml/2006/picture" xmlns:lc="http://schemas.openxmlformats.org/drawingml/2006/lockedCanvas" val="0"/>
+                <a14:useLocalDpi xmlns:lc="http://schemas.openxmlformats.org/drawingml/2006/lockedCanvas" xmlns:pic="http://schemas.openxmlformats.org/drawingml/2006/picture" xmlns:a14="http://schemas.microsoft.com/office/drawing/2010/main" xmlns:wps="http://schemas.microsoft.com/office/word/2010/wordprocessingShape" xmlns:wne="http://schemas.microsoft.com/office/word/2006/wordml" xmlns:wpi="http://schemas.microsoft.com/office/word/2010/wordprocessingInk" xmlns:wpg="http://schemas.microsoft.com/office/word/2010/wordprocessingGroup" xmlns:w14="http://schemas.microsoft.com/office/word/2010/wordml" xmlns:w="http://schemas.openxmlformats.org/wordprocessingml/2006/main" xmlns:w10="urn:schemas-microsoft-com:office:word" xmlns:wp="http://schemas.openxmlformats.org/drawingml/2006/wordprocessingDrawing" xmlns:wp14="http://schemas.microsoft.com/office/word/2010/wordprocessingDrawing" xmlns:v="urn:schemas-microsoft-com:vml" xmlns:m="http://schemas.openxmlformats.org/officeDocument/2006/math" xmlns:o="urn:schemas-microsoft-com:office:office" xmlns:mc="http://schemas.openxmlformats.org/markup-compatibility/2006" xmlns:wpc="http://schemas.microsoft.com/office/word/2010/wordprocessingCanvas" xmlns="" val="0"/>
               </a:ext>
             </a:extLst>
           </a:blip>
@@ -16812,7 +17161,7 @@
     </p:spTree>
     <p:extLst>
       <p:ext uri="{BB962C8B-B14F-4D97-AF65-F5344CB8AC3E}">
-        <p14:creationId xmlns="" xmlns:p14="http://schemas.microsoft.com/office/powerpoint/2010/main" val="3446328164"/>
+        <p14:creationId xmlns:p14="http://schemas.microsoft.com/office/powerpoint/2010/main" xmlns="" val="3446328164"/>
       </p:ext>
     </p:extLst>
   </p:cSld>
@@ -16829,7 +17178,7 @@
 </p:sld>
 </file>
 
-<file path=ppt/slides/slide7.xml><?xml version="1.0" encoding="utf-8"?>
+<file path=ppt/slides/slide9.xml><?xml version="1.0" encoding="utf-8"?>
 <p:sld xmlns:a="http://schemas.openxmlformats.org/drawingml/2006/main" xmlns:r="http://schemas.openxmlformats.org/officeDocument/2006/relationships" xmlns:p="http://schemas.openxmlformats.org/presentationml/2006/main">
   <p:cSld>
     <p:spTree>
@@ -17035,7 +17384,7 @@
     </p:spTree>
     <p:extLst>
       <p:ext uri="{BB962C8B-B14F-4D97-AF65-F5344CB8AC3E}">
-        <p14:creationId xmlns="" xmlns:p14="http://schemas.microsoft.com/office/powerpoint/2010/main" val="2665474422"/>
+        <p14:creationId xmlns:p14="http://schemas.microsoft.com/office/powerpoint/2010/main" xmlns="" val="2665474422"/>
       </p:ext>
     </p:extLst>
   </p:cSld>
